--- a/Week_1/Getting_help.pptx
+++ b/Week_1/Getting_help.pptx
@@ -9,7 +9,9 @@
     <p:sldId id="257" r:id="rId3"/>
     <p:sldId id="258" r:id="rId4"/>
     <p:sldId id="259" r:id="rId5"/>
-    <p:sldId id="260" r:id="rId6"/>
+    <p:sldId id="261" r:id="rId6"/>
+    <p:sldId id="260" r:id="rId7"/>
+    <p:sldId id="262" r:id="rId8"/>
   </p:sldIdLst>
   <p:sldSz cx="12192000" cy="6858000"/>
   <p:notesSz cx="6858000" cy="9144000"/>
@@ -108,7 +110,291 @@
       </a:defRPr>
     </a:lvl9pPr>
   </p:defaultTextStyle>
+  <p:extLst>
+    <p:ext uri="{EFAFB233-063F-42B5-8137-9DF3F51BA10A}">
+      <p15:sldGuideLst xmlns:p15="http://schemas.microsoft.com/office/powerpoint/2012/main"/>
+    </p:ext>
+  </p:extLst>
 </p:presentation>
+</file>
+
+<file path=ppt/changesInfos/changesInfo1.xml><?xml version="1.0" encoding="utf-8"?>
+<pc:chgInfo xmlns:a="http://schemas.openxmlformats.org/drawingml/2006/main" xmlns:r="http://schemas.openxmlformats.org/officeDocument/2006/relationships" xmlns:ac="http://schemas.microsoft.com/office/drawing/2013/main/command" xmlns:pc="http://schemas.microsoft.com/office/powerpoint/2013/main/command">
+  <pc:docChgLst>
+    <pc:chgData name="Catherine Kidner" userId="05772faa-c547-42bd-a4f8-01ff9d39ffcc" providerId="ADAL" clId="{CFB7F4A9-3251-A14E-9337-A884BE88A9FB}"/>
+    <pc:docChg chg="custSel addSld modSld">
+      <pc:chgData name="Catherine Kidner" userId="05772faa-c547-42bd-a4f8-01ff9d39ffcc" providerId="ADAL" clId="{CFB7F4A9-3251-A14E-9337-A884BE88A9FB}" dt="2023-05-16T10:55:27.907" v="111" actId="1076"/>
+      <pc:docMkLst>
+        <pc:docMk/>
+      </pc:docMkLst>
+      <pc:sldChg chg="addSp modSp mod">
+        <pc:chgData name="Catherine Kidner" userId="05772faa-c547-42bd-a4f8-01ff9d39ffcc" providerId="ADAL" clId="{CFB7F4A9-3251-A14E-9337-A884BE88A9FB}" dt="2023-05-16T10:47:10.436" v="91" actId="1076"/>
+        <pc:sldMkLst>
+          <pc:docMk/>
+          <pc:sldMk cId="41392450" sldId="256"/>
+        </pc:sldMkLst>
+        <pc:spChg chg="mod">
+          <ac:chgData name="Catherine Kidner" userId="05772faa-c547-42bd-a4f8-01ff9d39ffcc" providerId="ADAL" clId="{CFB7F4A9-3251-A14E-9337-A884BE88A9FB}" dt="2023-05-16T10:47:10.436" v="91" actId="1076"/>
+          <ac:spMkLst>
+            <pc:docMk/>
+            <pc:sldMk cId="41392450" sldId="256"/>
+            <ac:spMk id="4" creationId="{35B462AD-B84C-108F-3805-B90A1B315F96}"/>
+          </ac:spMkLst>
+        </pc:spChg>
+        <pc:spChg chg="mod">
+          <ac:chgData name="Catherine Kidner" userId="05772faa-c547-42bd-a4f8-01ff9d39ffcc" providerId="ADAL" clId="{CFB7F4A9-3251-A14E-9337-A884BE88A9FB}" dt="2023-05-16T10:47:08.022" v="90" actId="1076"/>
+          <ac:spMkLst>
+            <pc:docMk/>
+            <pc:sldMk cId="41392450" sldId="256"/>
+            <ac:spMk id="5" creationId="{FA320A59-7F55-A2D5-2E17-3EFAF1B4729E}"/>
+          </ac:spMkLst>
+        </pc:spChg>
+        <pc:picChg chg="add mod">
+          <ac:chgData name="Catherine Kidner" userId="05772faa-c547-42bd-a4f8-01ff9d39ffcc" providerId="ADAL" clId="{CFB7F4A9-3251-A14E-9337-A884BE88A9FB}" dt="2023-05-16T10:47:03.197" v="89" actId="1076"/>
+          <ac:picMkLst>
+            <pc:docMk/>
+            <pc:sldMk cId="41392450" sldId="256"/>
+            <ac:picMk id="1026" creationId="{C04B729C-351D-ECCC-9732-71AF13B2C1D5}"/>
+          </ac:picMkLst>
+        </pc:picChg>
+      </pc:sldChg>
+      <pc:sldChg chg="modSp mod">
+        <pc:chgData name="Catherine Kidner" userId="05772faa-c547-42bd-a4f8-01ff9d39ffcc" providerId="ADAL" clId="{CFB7F4A9-3251-A14E-9337-A884BE88A9FB}" dt="2023-05-16T10:47:25.682" v="95" actId="1076"/>
+        <pc:sldMkLst>
+          <pc:docMk/>
+          <pc:sldMk cId="2094012550" sldId="257"/>
+        </pc:sldMkLst>
+        <pc:spChg chg="mod">
+          <ac:chgData name="Catherine Kidner" userId="05772faa-c547-42bd-a4f8-01ff9d39ffcc" providerId="ADAL" clId="{CFB7F4A9-3251-A14E-9337-A884BE88A9FB}" dt="2023-05-16T10:47:18.060" v="93" actId="403"/>
+          <ac:spMkLst>
+            <pc:docMk/>
+            <pc:sldMk cId="2094012550" sldId="257"/>
+            <ac:spMk id="4" creationId="{BC806FDD-9D20-09E8-C7C6-5006351C4983}"/>
+          </ac:spMkLst>
+        </pc:spChg>
+        <pc:spChg chg="mod">
+          <ac:chgData name="Catherine Kidner" userId="05772faa-c547-42bd-a4f8-01ff9d39ffcc" providerId="ADAL" clId="{CFB7F4A9-3251-A14E-9337-A884BE88A9FB}" dt="2023-05-16T10:47:23.128" v="94" actId="1076"/>
+          <ac:spMkLst>
+            <pc:docMk/>
+            <pc:sldMk cId="2094012550" sldId="257"/>
+            <ac:spMk id="6" creationId="{A324CB1A-6987-ECB3-F818-A968B095D0A1}"/>
+          </ac:spMkLst>
+        </pc:spChg>
+        <pc:spChg chg="mod">
+          <ac:chgData name="Catherine Kidner" userId="05772faa-c547-42bd-a4f8-01ff9d39ffcc" providerId="ADAL" clId="{CFB7F4A9-3251-A14E-9337-A884BE88A9FB}" dt="2023-05-16T10:47:25.682" v="95" actId="1076"/>
+          <ac:spMkLst>
+            <pc:docMk/>
+            <pc:sldMk cId="2094012550" sldId="257"/>
+            <ac:spMk id="13" creationId="{C3D41F5B-C616-817B-B3C1-CDEBC99D33A8}"/>
+          </ac:spMkLst>
+        </pc:spChg>
+      </pc:sldChg>
+      <pc:sldChg chg="modSp mod">
+        <pc:chgData name="Catherine Kidner" userId="05772faa-c547-42bd-a4f8-01ff9d39ffcc" providerId="ADAL" clId="{CFB7F4A9-3251-A14E-9337-A884BE88A9FB}" dt="2023-05-16T10:47:45.183" v="102" actId="1076"/>
+        <pc:sldMkLst>
+          <pc:docMk/>
+          <pc:sldMk cId="359526434" sldId="258"/>
+        </pc:sldMkLst>
+        <pc:spChg chg="mod">
+          <ac:chgData name="Catherine Kidner" userId="05772faa-c547-42bd-a4f8-01ff9d39ffcc" providerId="ADAL" clId="{CFB7F4A9-3251-A14E-9337-A884BE88A9FB}" dt="2023-05-16T10:47:30.503" v="96" actId="403"/>
+          <ac:spMkLst>
+            <pc:docMk/>
+            <pc:sldMk cId="359526434" sldId="258"/>
+            <ac:spMk id="4" creationId="{85D59E82-D634-6FFE-7A18-23945BD1A865}"/>
+          </ac:spMkLst>
+        </pc:spChg>
+        <pc:spChg chg="mod">
+          <ac:chgData name="Catherine Kidner" userId="05772faa-c547-42bd-a4f8-01ff9d39ffcc" providerId="ADAL" clId="{CFB7F4A9-3251-A14E-9337-A884BE88A9FB}" dt="2023-05-16T10:47:36.756" v="98" actId="1076"/>
+          <ac:spMkLst>
+            <pc:docMk/>
+            <pc:sldMk cId="359526434" sldId="258"/>
+            <ac:spMk id="7" creationId="{01A4D4A6-832B-E521-B3CE-8E6B3967DEB8}"/>
+          </ac:spMkLst>
+        </pc:spChg>
+        <pc:spChg chg="mod">
+          <ac:chgData name="Catherine Kidner" userId="05772faa-c547-42bd-a4f8-01ff9d39ffcc" providerId="ADAL" clId="{CFB7F4A9-3251-A14E-9337-A884BE88A9FB}" dt="2023-05-16T10:47:39.361" v="99" actId="14100"/>
+          <ac:spMkLst>
+            <pc:docMk/>
+            <pc:sldMk cId="359526434" sldId="258"/>
+            <ac:spMk id="9" creationId="{96A6D795-E5F8-93BB-550A-2F7892F0D109}"/>
+          </ac:spMkLst>
+        </pc:spChg>
+        <pc:picChg chg="mod">
+          <ac:chgData name="Catherine Kidner" userId="05772faa-c547-42bd-a4f8-01ff9d39ffcc" providerId="ADAL" clId="{CFB7F4A9-3251-A14E-9337-A884BE88A9FB}" dt="2023-05-16T10:47:45.183" v="102" actId="1076"/>
+          <ac:picMkLst>
+            <pc:docMk/>
+            <pc:sldMk cId="359526434" sldId="258"/>
+            <ac:picMk id="2050" creationId="{28192151-B174-09B6-C1F3-691E490DDF9C}"/>
+          </ac:picMkLst>
+        </pc:picChg>
+      </pc:sldChg>
+      <pc:sldChg chg="modSp mod">
+        <pc:chgData name="Catherine Kidner" userId="05772faa-c547-42bd-a4f8-01ff9d39ffcc" providerId="ADAL" clId="{CFB7F4A9-3251-A14E-9337-A884BE88A9FB}" dt="2023-05-16T10:55:11.746" v="106" actId="14100"/>
+        <pc:sldMkLst>
+          <pc:docMk/>
+          <pc:sldMk cId="4186429436" sldId="259"/>
+        </pc:sldMkLst>
+        <pc:spChg chg="mod">
+          <ac:chgData name="Catherine Kidner" userId="05772faa-c547-42bd-a4f8-01ff9d39ffcc" providerId="ADAL" clId="{CFB7F4A9-3251-A14E-9337-A884BE88A9FB}" dt="2023-05-16T10:47:54.691" v="103" actId="1076"/>
+          <ac:spMkLst>
+            <pc:docMk/>
+            <pc:sldMk cId="4186429436" sldId="259"/>
+            <ac:spMk id="4" creationId="{95A7BC3E-931D-934C-142E-3809EA668E5B}"/>
+          </ac:spMkLst>
+        </pc:spChg>
+        <pc:spChg chg="mod">
+          <ac:chgData name="Catherine Kidner" userId="05772faa-c547-42bd-a4f8-01ff9d39ffcc" providerId="ADAL" clId="{CFB7F4A9-3251-A14E-9337-A884BE88A9FB}" dt="2023-05-16T10:47:54.691" v="103" actId="1076"/>
+          <ac:spMkLst>
+            <pc:docMk/>
+            <pc:sldMk cId="4186429436" sldId="259"/>
+            <ac:spMk id="5" creationId="{4E009FE6-AA2F-6467-99E3-4574B71E11EA}"/>
+          </ac:spMkLst>
+        </pc:spChg>
+        <pc:spChg chg="mod">
+          <ac:chgData name="Catherine Kidner" userId="05772faa-c547-42bd-a4f8-01ff9d39ffcc" providerId="ADAL" clId="{CFB7F4A9-3251-A14E-9337-A884BE88A9FB}" dt="2023-05-16T10:47:54.691" v="103" actId="1076"/>
+          <ac:spMkLst>
+            <pc:docMk/>
+            <pc:sldMk cId="4186429436" sldId="259"/>
+            <ac:spMk id="10" creationId="{BEF77C3A-A875-6FB1-FF72-F4320C0B0606}"/>
+          </ac:spMkLst>
+        </pc:spChg>
+        <pc:picChg chg="mod">
+          <ac:chgData name="Catherine Kidner" userId="05772faa-c547-42bd-a4f8-01ff9d39ffcc" providerId="ADAL" clId="{CFB7F4A9-3251-A14E-9337-A884BE88A9FB}" dt="2023-05-16T10:55:11.746" v="106" actId="14100"/>
+          <ac:picMkLst>
+            <pc:docMk/>
+            <pc:sldMk cId="4186429436" sldId="259"/>
+            <ac:picMk id="3074" creationId="{37C68192-C462-C2A9-F61A-94C16AC5E36C}"/>
+          </ac:picMkLst>
+        </pc:picChg>
+      </pc:sldChg>
+      <pc:sldChg chg="modSp mod">
+        <pc:chgData name="Catherine Kidner" userId="05772faa-c547-42bd-a4f8-01ff9d39ffcc" providerId="ADAL" clId="{CFB7F4A9-3251-A14E-9337-A884BE88A9FB}" dt="2023-05-16T10:39:32.808" v="78" actId="1076"/>
+        <pc:sldMkLst>
+          <pc:docMk/>
+          <pc:sldMk cId="2237660008" sldId="260"/>
+        </pc:sldMkLst>
+        <pc:spChg chg="mod">
+          <ac:chgData name="Catherine Kidner" userId="05772faa-c547-42bd-a4f8-01ff9d39ffcc" providerId="ADAL" clId="{CFB7F4A9-3251-A14E-9337-A884BE88A9FB}" dt="2023-05-16T10:39:28.454" v="77" actId="1076"/>
+          <ac:spMkLst>
+            <pc:docMk/>
+            <pc:sldMk cId="2237660008" sldId="260"/>
+            <ac:spMk id="4" creationId="{5A1540E5-E3E8-783B-E08D-8FD9E1E152A4}"/>
+          </ac:spMkLst>
+        </pc:spChg>
+        <pc:spChg chg="mod">
+          <ac:chgData name="Catherine Kidner" userId="05772faa-c547-42bd-a4f8-01ff9d39ffcc" providerId="ADAL" clId="{CFB7F4A9-3251-A14E-9337-A884BE88A9FB}" dt="2023-05-16T10:39:32.808" v="78" actId="1076"/>
+          <ac:spMkLst>
+            <pc:docMk/>
+            <pc:sldMk cId="2237660008" sldId="260"/>
+            <ac:spMk id="5" creationId="{9FD9056E-79F5-629C-D641-F490F6907265}"/>
+          </ac:spMkLst>
+        </pc:spChg>
+        <pc:spChg chg="mod">
+          <ac:chgData name="Catherine Kidner" userId="05772faa-c547-42bd-a4f8-01ff9d39ffcc" providerId="ADAL" clId="{CFB7F4A9-3251-A14E-9337-A884BE88A9FB}" dt="2023-05-16T10:39:24.237" v="76" actId="20577"/>
+          <ac:spMkLst>
+            <pc:docMk/>
+            <pc:sldMk cId="2237660008" sldId="260"/>
+            <ac:spMk id="6" creationId="{26668D09-9271-D491-1403-887DB10EAD1C}"/>
+          </ac:spMkLst>
+        </pc:spChg>
+      </pc:sldChg>
+      <pc:sldChg chg="addSp delSp modSp new mod">
+        <pc:chgData name="Catherine Kidner" userId="05772faa-c547-42bd-a4f8-01ff9d39ffcc" providerId="ADAL" clId="{CFB7F4A9-3251-A14E-9337-A884BE88A9FB}" dt="2023-05-16T10:38:51.129" v="75" actId="114"/>
+        <pc:sldMkLst>
+          <pc:docMk/>
+          <pc:sldMk cId="1586145048" sldId="261"/>
+        </pc:sldMkLst>
+        <pc:spChg chg="del">
+          <ac:chgData name="Catherine Kidner" userId="05772faa-c547-42bd-a4f8-01ff9d39ffcc" providerId="ADAL" clId="{CFB7F4A9-3251-A14E-9337-A884BE88A9FB}" dt="2023-05-15T15:53:09.026" v="3" actId="478"/>
+          <ac:spMkLst>
+            <pc:docMk/>
+            <pc:sldMk cId="1586145048" sldId="261"/>
+            <ac:spMk id="2" creationId="{2EE1B4E0-F7CD-D208-927B-39B0F4410983}"/>
+          </ac:spMkLst>
+        </pc:spChg>
+        <pc:spChg chg="del">
+          <ac:chgData name="Catherine Kidner" userId="05772faa-c547-42bd-a4f8-01ff9d39ffcc" providerId="ADAL" clId="{CFB7F4A9-3251-A14E-9337-A884BE88A9FB}" dt="2023-05-15T15:53:10.519" v="4" actId="478"/>
+          <ac:spMkLst>
+            <pc:docMk/>
+            <pc:sldMk cId="1586145048" sldId="261"/>
+            <ac:spMk id="3" creationId="{47EA9C57-5F15-9E10-2903-DFE78D96DE9F}"/>
+          </ac:spMkLst>
+        </pc:spChg>
+        <pc:spChg chg="add mod">
+          <ac:chgData name="Catherine Kidner" userId="05772faa-c547-42bd-a4f8-01ff9d39ffcc" providerId="ADAL" clId="{CFB7F4A9-3251-A14E-9337-A884BE88A9FB}" dt="2023-05-16T10:38:30.108" v="59" actId="1076"/>
+          <ac:spMkLst>
+            <pc:docMk/>
+            <pc:sldMk cId="1586145048" sldId="261"/>
+            <ac:spMk id="4" creationId="{72A11BB3-99A6-8BC6-8EAF-1AED53D445A3}"/>
+          </ac:spMkLst>
+        </pc:spChg>
+        <pc:spChg chg="add mod">
+          <ac:chgData name="Catherine Kidner" userId="05772faa-c547-42bd-a4f8-01ff9d39ffcc" providerId="ADAL" clId="{CFB7F4A9-3251-A14E-9337-A884BE88A9FB}" dt="2023-05-16T10:38:51.129" v="75" actId="114"/>
+          <ac:spMkLst>
+            <pc:docMk/>
+            <pc:sldMk cId="1586145048" sldId="261"/>
+            <ac:spMk id="5" creationId="{4A3FED78-C558-72EC-3CDC-9C20E14363A7}"/>
+          </ac:spMkLst>
+        </pc:spChg>
+        <pc:picChg chg="add mod">
+          <ac:chgData name="Catherine Kidner" userId="05772faa-c547-42bd-a4f8-01ff9d39ffcc" providerId="ADAL" clId="{CFB7F4A9-3251-A14E-9337-A884BE88A9FB}" dt="2023-05-16T10:35:21.204" v="52" actId="1076"/>
+          <ac:picMkLst>
+            <pc:docMk/>
+            <pc:sldMk cId="1586145048" sldId="261"/>
+            <ac:picMk id="7" creationId="{66B0CAE6-02B4-3FBF-EC4D-74AC01F991A1}"/>
+          </ac:picMkLst>
+        </pc:picChg>
+        <pc:picChg chg="add mod">
+          <ac:chgData name="Catherine Kidner" userId="05772faa-c547-42bd-a4f8-01ff9d39ffcc" providerId="ADAL" clId="{CFB7F4A9-3251-A14E-9337-A884BE88A9FB}" dt="2023-05-16T10:38:18.116" v="57" actId="1076"/>
+          <ac:picMkLst>
+            <pc:docMk/>
+            <pc:sldMk cId="1586145048" sldId="261"/>
+            <ac:picMk id="9" creationId="{A05773E8-F5A1-8933-7533-95896A7F958B}"/>
+          </ac:picMkLst>
+        </pc:picChg>
+        <pc:picChg chg="add mod">
+          <ac:chgData name="Catherine Kidner" userId="05772faa-c547-42bd-a4f8-01ff9d39ffcc" providerId="ADAL" clId="{CFB7F4A9-3251-A14E-9337-A884BE88A9FB}" dt="2023-05-16T10:38:37.281" v="61" actId="1076"/>
+          <ac:picMkLst>
+            <pc:docMk/>
+            <pc:sldMk cId="1586145048" sldId="261"/>
+            <ac:picMk id="11" creationId="{EF0A49E9-6AC6-F336-057B-3EDA46B34B82}"/>
+          </ac:picMkLst>
+        </pc:picChg>
+      </pc:sldChg>
+      <pc:sldChg chg="addSp delSp modSp new mod">
+        <pc:chgData name="Catherine Kidner" userId="05772faa-c547-42bd-a4f8-01ff9d39ffcc" providerId="ADAL" clId="{CFB7F4A9-3251-A14E-9337-A884BE88A9FB}" dt="2023-05-16T10:55:27.907" v="111" actId="1076"/>
+        <pc:sldMkLst>
+          <pc:docMk/>
+          <pc:sldMk cId="1485152099" sldId="262"/>
+        </pc:sldMkLst>
+        <pc:spChg chg="del">
+          <ac:chgData name="Catherine Kidner" userId="05772faa-c547-42bd-a4f8-01ff9d39ffcc" providerId="ADAL" clId="{CFB7F4A9-3251-A14E-9337-A884BE88A9FB}" dt="2023-05-16T10:55:23.666" v="109" actId="478"/>
+          <ac:spMkLst>
+            <pc:docMk/>
+            <pc:sldMk cId="1485152099" sldId="262"/>
+            <ac:spMk id="2" creationId="{E4A7DE90-43C3-DEF6-BDB8-50242658A642}"/>
+          </ac:spMkLst>
+        </pc:spChg>
+        <pc:spChg chg="del">
+          <ac:chgData name="Catherine Kidner" userId="05772faa-c547-42bd-a4f8-01ff9d39ffcc" providerId="ADAL" clId="{CFB7F4A9-3251-A14E-9337-A884BE88A9FB}" dt="2023-05-16T10:55:21.802" v="108" actId="478"/>
+          <ac:spMkLst>
+            <pc:docMk/>
+            <pc:sldMk cId="1485152099" sldId="262"/>
+            <ac:spMk id="3" creationId="{EB5CDC35-1784-377D-C3A4-2E8DBE9805FF}"/>
+          </ac:spMkLst>
+        </pc:spChg>
+        <pc:picChg chg="add mod">
+          <ac:chgData name="Catherine Kidner" userId="05772faa-c547-42bd-a4f8-01ff9d39ffcc" providerId="ADAL" clId="{CFB7F4A9-3251-A14E-9337-A884BE88A9FB}" dt="2023-05-16T10:55:27.907" v="111" actId="1076"/>
+          <ac:picMkLst>
+            <pc:docMk/>
+            <pc:sldMk cId="1485152099" sldId="262"/>
+            <ac:picMk id="4" creationId="{64FDCC95-A6F4-6647-F157-309E45C84D32}"/>
+          </ac:picMkLst>
+        </pc:picChg>
+      </pc:sldChg>
+    </pc:docChg>
+  </pc:docChgLst>
+</pc:chgInfo>
 </file>
 
 <file path=ppt/slideLayouts/slideLayout1.xml><?xml version="1.0" encoding="utf-8"?>
@@ -260,7 +546,7 @@
           <a:p>
             <a:fld id="{0A30C96C-D469-0342-B0A6-9A531FC710EF}" type="datetimeFigureOut">
               <a:rPr lang="en-US" smtClean="0"/>
-              <a:t>11/10/22</a:t>
+              <a:t>5/16/23</a:t>
             </a:fld>
             <a:endParaRPr lang="en-US"/>
           </a:p>
@@ -460,7 +746,7 @@
           <a:p>
             <a:fld id="{0A30C96C-D469-0342-B0A6-9A531FC710EF}" type="datetimeFigureOut">
               <a:rPr lang="en-US" smtClean="0"/>
-              <a:t>11/10/22</a:t>
+              <a:t>5/16/23</a:t>
             </a:fld>
             <a:endParaRPr lang="en-US"/>
           </a:p>
@@ -670,7 +956,7 @@
           <a:p>
             <a:fld id="{0A30C96C-D469-0342-B0A6-9A531FC710EF}" type="datetimeFigureOut">
               <a:rPr lang="en-US" smtClean="0"/>
-              <a:t>11/10/22</a:t>
+              <a:t>5/16/23</a:t>
             </a:fld>
             <a:endParaRPr lang="en-US"/>
           </a:p>
@@ -870,7 +1156,7 @@
           <a:p>
             <a:fld id="{0A30C96C-D469-0342-B0A6-9A531FC710EF}" type="datetimeFigureOut">
               <a:rPr lang="en-US" smtClean="0"/>
-              <a:t>11/10/22</a:t>
+              <a:t>5/16/23</a:t>
             </a:fld>
             <a:endParaRPr lang="en-US"/>
           </a:p>
@@ -1146,7 +1432,7 @@
           <a:p>
             <a:fld id="{0A30C96C-D469-0342-B0A6-9A531FC710EF}" type="datetimeFigureOut">
               <a:rPr lang="en-US" smtClean="0"/>
-              <a:t>11/10/22</a:t>
+              <a:t>5/16/23</a:t>
             </a:fld>
             <a:endParaRPr lang="en-US"/>
           </a:p>
@@ -1414,7 +1700,7 @@
           <a:p>
             <a:fld id="{0A30C96C-D469-0342-B0A6-9A531FC710EF}" type="datetimeFigureOut">
               <a:rPr lang="en-US" smtClean="0"/>
-              <a:t>11/10/22</a:t>
+              <a:t>5/16/23</a:t>
             </a:fld>
             <a:endParaRPr lang="en-US"/>
           </a:p>
@@ -1829,7 +2115,7 @@
           <a:p>
             <a:fld id="{0A30C96C-D469-0342-B0A6-9A531FC710EF}" type="datetimeFigureOut">
               <a:rPr lang="en-US" smtClean="0"/>
-              <a:t>11/10/22</a:t>
+              <a:t>5/16/23</a:t>
             </a:fld>
             <a:endParaRPr lang="en-US"/>
           </a:p>
@@ -1971,7 +2257,7 @@
           <a:p>
             <a:fld id="{0A30C96C-D469-0342-B0A6-9A531FC710EF}" type="datetimeFigureOut">
               <a:rPr lang="en-US" smtClean="0"/>
-              <a:t>11/10/22</a:t>
+              <a:t>5/16/23</a:t>
             </a:fld>
             <a:endParaRPr lang="en-US"/>
           </a:p>
@@ -2084,7 +2370,7 @@
           <a:p>
             <a:fld id="{0A30C96C-D469-0342-B0A6-9A531FC710EF}" type="datetimeFigureOut">
               <a:rPr lang="en-US" smtClean="0"/>
-              <a:t>11/10/22</a:t>
+              <a:t>5/16/23</a:t>
             </a:fld>
             <a:endParaRPr lang="en-US"/>
           </a:p>
@@ -2397,7 +2683,7 @@
           <a:p>
             <a:fld id="{0A30C96C-D469-0342-B0A6-9A531FC710EF}" type="datetimeFigureOut">
               <a:rPr lang="en-US" smtClean="0"/>
-              <a:t>11/10/22</a:t>
+              <a:t>5/16/23</a:t>
             </a:fld>
             <a:endParaRPr lang="en-US"/>
           </a:p>
@@ -2686,7 +2972,7 @@
           <a:p>
             <a:fld id="{0A30C96C-D469-0342-B0A6-9A531FC710EF}" type="datetimeFigureOut">
               <a:rPr lang="en-US" smtClean="0"/>
-              <a:t>11/10/22</a:t>
+              <a:t>5/16/23</a:t>
             </a:fld>
             <a:endParaRPr lang="en-US"/>
           </a:p>
@@ -2929,7 +3215,7 @@
           <a:p>
             <a:fld id="{0A30C96C-D469-0342-B0A6-9A531FC710EF}" type="datetimeFigureOut">
               <a:rPr lang="en-US" smtClean="0"/>
-              <a:t>11/10/22</a:t>
+              <a:t>5/16/23</a:t>
             </a:fld>
             <a:endParaRPr lang="en-US"/>
           </a:p>
@@ -3360,7 +3646,7 @@
         </p:nvSpPr>
         <p:spPr>
           <a:xfrm>
-            <a:off x="1164772" y="1055915"/>
+            <a:off x="674915" y="968829"/>
             <a:ext cx="2284984" cy="584775"/>
           </a:xfrm>
           <a:prstGeom prst="rect">
@@ -3395,8 +3681,8 @@
         </p:nvSpPr>
         <p:spPr>
           <a:xfrm>
-            <a:off x="4016829" y="2188028"/>
-            <a:ext cx="3035959" cy="2031325"/>
+            <a:off x="304800" y="2090172"/>
+            <a:ext cx="3862339" cy="2677656"/>
           </a:xfrm>
           <a:prstGeom prst="rect">
             <a:avLst/>
@@ -3413,7 +3699,7 @@
               <a:buAutoNum type="arabicPeriod"/>
             </a:pPr>
             <a:r>
-              <a:rPr lang="en-US" dirty="0"/>
+              <a:rPr lang="en-US" sz="2400" dirty="0"/>
               <a:t>Ask the person next to you</a:t>
             </a:r>
           </a:p>
@@ -3421,34 +3707,29 @@
             <a:pPr marL="342900" indent="-342900">
               <a:buAutoNum type="arabicPeriod"/>
             </a:pPr>
-            <a:endParaRPr lang="en-US" dirty="0"/>
+            <a:endParaRPr lang="en-US" sz="2400" dirty="0"/>
           </a:p>
           <a:p>
             <a:pPr marL="342900" indent="-342900">
               <a:buAutoNum type="arabicPeriod"/>
             </a:pPr>
             <a:r>
-              <a:rPr lang="en-US" dirty="0"/>
-              <a:t>Ask a </a:t>
-            </a:r>
-            <a:r>
-              <a:rPr lang="en-US" dirty="0" err="1"/>
-              <a:t>demonstrater</a:t>
-            </a:r>
-            <a:endParaRPr lang="en-US" dirty="0"/>
+              <a:rPr lang="en-US" sz="2400" dirty="0"/>
+              <a:t>Ask a demonstrator</a:t>
+            </a:r>
           </a:p>
           <a:p>
             <a:pPr marL="342900" indent="-342900">
               <a:buAutoNum type="arabicPeriod"/>
             </a:pPr>
-            <a:endParaRPr lang="en-US" dirty="0"/>
+            <a:endParaRPr lang="en-US" sz="2400" dirty="0"/>
           </a:p>
           <a:p>
             <a:pPr marL="342900" indent="-342900">
               <a:buAutoNum type="arabicPeriod"/>
             </a:pPr>
             <a:r>
-              <a:rPr lang="en-US" dirty="0"/>
+              <a:rPr lang="en-US" sz="2400" dirty="0"/>
               <a:t>Look online</a:t>
             </a:r>
           </a:p>
@@ -3456,19 +3737,64 @@
             <a:pPr marL="342900" indent="-342900">
               <a:buAutoNum type="arabicPeriod"/>
             </a:pPr>
-            <a:endParaRPr lang="en-US" dirty="0"/>
+            <a:endParaRPr lang="en-US" sz="2400" dirty="0"/>
           </a:p>
           <a:p>
             <a:pPr marL="342900" indent="-342900">
               <a:buAutoNum type="arabicPeriod"/>
             </a:pPr>
             <a:r>
-              <a:rPr lang="en-US" dirty="0"/>
+              <a:rPr lang="en-US" sz="2400" dirty="0"/>
               <a:t>Ask the CO</a:t>
             </a:r>
           </a:p>
         </p:txBody>
       </p:sp>
+      <p:pic>
+        <p:nvPicPr>
+          <p:cNvPr id="1026" name="Picture 2" descr="An image showing 'Darling and his Daughter, Grace, off to the wreck of the Forfarshire. Keeper of the Longstone Lighthouse in the Farne Islands'">
+            <a:extLst>
+              <a:ext uri="{FF2B5EF4-FFF2-40B4-BE49-F238E27FC236}">
+                <a16:creationId xmlns:a16="http://schemas.microsoft.com/office/drawing/2014/main" id="{C04B729C-351D-ECCC-9732-71AF13B2C1D5}"/>
+              </a:ext>
+            </a:extLst>
+          </p:cNvPr>
+          <p:cNvPicPr>
+            <a:picLocks noChangeAspect="1" noChangeArrowheads="1"/>
+          </p:cNvPicPr>
+          <p:nvPr/>
+        </p:nvPicPr>
+        <p:blipFill rotWithShape="1">
+          <a:blip r:embed="rId2">
+            <a:extLst>
+              <a:ext uri="{28A0092B-C50C-407E-A947-70E740481C1C}">
+                <a14:useLocalDpi xmlns:a14="http://schemas.microsoft.com/office/drawing/2010/main" val="0"/>
+              </a:ext>
+            </a:extLst>
+          </a:blip>
+          <a:srcRect l="5047" t="5239" r="5466" b="3492"/>
+          <a:stretch/>
+        </p:blipFill>
+        <p:spPr bwMode="auto">
+          <a:xfrm>
+            <a:off x="4293901" y="843643"/>
+            <a:ext cx="7679635" cy="5170714"/>
+          </a:xfrm>
+          <a:prstGeom prst="rect">
+            <a:avLst/>
+          </a:prstGeom>
+          <a:noFill/>
+          <a:extLst>
+            <a:ext uri="{909E8E84-426E-40DD-AFC4-6F175D3DCCD1}">
+              <a14:hiddenFill xmlns:a14="http://schemas.microsoft.com/office/drawing/2010/main">
+                <a:solidFill>
+                  <a:srgbClr val="FFFFFF"/>
+                </a:solidFill>
+              </a14:hiddenFill>
+            </a:ext>
+          </a:extLst>
+        </p:spPr>
+      </p:pic>
     </p:spTree>
     <p:extLst>
       <p:ext uri="{BB962C8B-B14F-4D97-AF65-F5344CB8AC3E}">
@@ -3514,7 +3840,7 @@
         <p:spPr>
           <a:xfrm>
             <a:off x="242398" y="729342"/>
-            <a:ext cx="2581348" cy="369332"/>
+            <a:ext cx="3381247" cy="461665"/>
           </a:xfrm>
           <a:prstGeom prst="rect">
             <a:avLst/>
@@ -3528,7 +3854,7 @@
           <a:lstStyle/>
           <a:p>
             <a:r>
-              <a:rPr lang="en-US" b="1" dirty="0"/>
+              <a:rPr lang="en-US" sz="2400" b="1" dirty="0"/>
               <a:t>How to search for help 1.</a:t>
             </a:r>
           </a:p>
@@ -3548,7 +3874,7 @@
         </p:nvSpPr>
         <p:spPr>
           <a:xfrm>
-            <a:off x="346531" y="2317455"/>
+            <a:off x="205015" y="2350014"/>
             <a:ext cx="6096000" cy="369332"/>
           </a:xfrm>
           <a:prstGeom prst="rect">
@@ -3759,7 +4085,7 @@
         </p:nvSpPr>
         <p:spPr>
           <a:xfrm>
-            <a:off x="346531" y="1953451"/>
+            <a:off x="205015" y="1799040"/>
             <a:ext cx="1522981" cy="369332"/>
           </a:xfrm>
           <a:prstGeom prst="rect">
@@ -3872,7 +4198,7 @@
         <p:spPr>
           <a:xfrm>
             <a:off x="536312" y="685799"/>
-            <a:ext cx="2581348" cy="369332"/>
+            <a:ext cx="2852704" cy="400110"/>
           </a:xfrm>
           <a:prstGeom prst="rect">
             <a:avLst/>
@@ -3886,7 +4212,7 @@
           <a:lstStyle/>
           <a:p>
             <a:r>
-              <a:rPr lang="en-US" b="1" dirty="0"/>
+              <a:rPr lang="en-US" sz="2000" b="1" dirty="0"/>
               <a:t>How to search for help 2.</a:t>
             </a:r>
           </a:p>
@@ -3956,8 +4282,8 @@
         </p:blipFill>
         <p:spPr bwMode="auto">
           <a:xfrm>
-            <a:off x="7286817" y="357415"/>
-            <a:ext cx="4793603" cy="1308099"/>
+            <a:off x="6096000" y="236570"/>
+            <a:ext cx="5569211" cy="1519750"/>
           </a:xfrm>
           <a:prstGeom prst="rect">
             <a:avLst/>
@@ -3988,8 +4314,8 @@
         </p:nvSpPr>
         <p:spPr>
           <a:xfrm>
-            <a:off x="2013857" y="2558534"/>
-            <a:ext cx="6096000" cy="369332"/>
+            <a:off x="979714" y="2689162"/>
+            <a:ext cx="6096000" cy="400110"/>
           </a:xfrm>
           <a:prstGeom prst="rect">
             <a:avLst/>
@@ -4003,15 +4329,15 @@
           <a:lstStyle/>
           <a:p>
             <a:r>
-              <a:rPr lang="en-US" dirty="0"/>
+              <a:rPr lang="en-US" sz="2000" dirty="0"/>
               <a:t>https://</a:t>
             </a:r>
             <a:r>
-              <a:rPr lang="en-US" dirty="0" err="1"/>
+              <a:rPr lang="en-US" sz="2000" dirty="0" err="1"/>
               <a:t>datacarpentry.org</a:t>
             </a:r>
             <a:r>
-              <a:rPr lang="en-US" dirty="0"/>
+              <a:rPr lang="en-US" sz="2000" dirty="0"/>
               <a:t>/python-ecology-lesson/</a:t>
             </a:r>
           </a:p>
@@ -4031,8 +4357,8 @@
         </p:nvSpPr>
         <p:spPr>
           <a:xfrm>
-            <a:off x="2013857" y="3168917"/>
-            <a:ext cx="6096000" cy="369332"/>
+            <a:off x="979713" y="3299545"/>
+            <a:ext cx="6999515" cy="400110"/>
           </a:xfrm>
           <a:prstGeom prst="rect">
             <a:avLst/>
@@ -4046,15 +4372,15 @@
           <a:lstStyle/>
           <a:p>
             <a:r>
-              <a:rPr lang="en-US" dirty="0"/>
+              <a:rPr lang="en-US" sz="2000" dirty="0"/>
               <a:t>https://</a:t>
             </a:r>
             <a:r>
-              <a:rPr lang="en-US" dirty="0" err="1"/>
+              <a:rPr lang="en-US" sz="2000" dirty="0" err="1"/>
               <a:t>swcarpentry.github.io</a:t>
             </a:r>
             <a:r>
-              <a:rPr lang="en-US" dirty="0"/>
+              <a:rPr lang="en-US" sz="2000" dirty="0"/>
               <a:t>/python-novice-inflammation/</a:t>
             </a:r>
           </a:p>
@@ -4104,7 +4430,7 @@
         </p:nvSpPr>
         <p:spPr>
           <a:xfrm>
-            <a:off x="617654" y="421250"/>
+            <a:off x="236654" y="352523"/>
             <a:ext cx="2346668" cy="369332"/>
           </a:xfrm>
           <a:prstGeom prst="rect">
@@ -4154,8 +4480,8 @@
         </p:blipFill>
         <p:spPr bwMode="auto">
           <a:xfrm>
-            <a:off x="7935684" y="1512332"/>
-            <a:ext cx="3809093" cy="2120526"/>
+            <a:off x="6868886" y="216006"/>
+            <a:ext cx="5086460" cy="2831637"/>
           </a:xfrm>
           <a:prstGeom prst="rect">
             <a:avLst/>
@@ -4186,7 +4512,7 @@
         </p:nvSpPr>
         <p:spPr>
           <a:xfrm>
-            <a:off x="1548835" y="1435660"/>
+            <a:off x="1167835" y="1366933"/>
             <a:ext cx="5884753" cy="2862322"/>
           </a:xfrm>
           <a:prstGeom prst="rect">
@@ -4383,7 +4709,7 @@
         </p:nvSpPr>
         <p:spPr>
           <a:xfrm>
-            <a:off x="1116641" y="3632858"/>
+            <a:off x="735641" y="3564131"/>
             <a:ext cx="362292" cy="373085"/>
           </a:xfrm>
           <a:prstGeom prst="smileyFace">
@@ -4448,6 +4774,211 @@
           <a:chExt cx="0" cy="0"/>
         </a:xfrm>
       </p:grpSpPr>
+      <p:sp>
+        <p:nvSpPr>
+          <p:cNvPr id="4" name="TextBox 3">
+            <a:extLst>
+              <a:ext uri="{FF2B5EF4-FFF2-40B4-BE49-F238E27FC236}">
+                <a16:creationId xmlns:a16="http://schemas.microsoft.com/office/drawing/2014/main" id="{72A11BB3-99A6-8BC6-8EAF-1AED53D445A3}"/>
+              </a:ext>
+            </a:extLst>
+          </p:cNvPr>
+          <p:cNvSpPr txBox="1"/>
+          <p:nvPr/>
+        </p:nvSpPr>
+        <p:spPr>
+          <a:xfrm>
+            <a:off x="158392" y="218498"/>
+            <a:ext cx="1817915" cy="369332"/>
+          </a:xfrm>
+          <a:prstGeom prst="rect">
+            <a:avLst/>
+          </a:prstGeom>
+          <a:noFill/>
+        </p:spPr>
+        <p:txBody>
+          <a:bodyPr wrap="square" rtlCol="0">
+            <a:spAutoFit/>
+          </a:bodyPr>
+          <a:lstStyle/>
+          <a:p>
+            <a:r>
+              <a:rPr lang="en-US" b="1" dirty="0"/>
+              <a:t>Chat GPT</a:t>
+            </a:r>
+          </a:p>
+        </p:txBody>
+      </p:sp>
+      <p:sp>
+        <p:nvSpPr>
+          <p:cNvPr id="5" name="TextBox 4">
+            <a:extLst>
+              <a:ext uri="{FF2B5EF4-FFF2-40B4-BE49-F238E27FC236}">
+                <a16:creationId xmlns:a16="http://schemas.microsoft.com/office/drawing/2014/main" id="{4A3FED78-C558-72EC-3CDC-9C20E14363A7}"/>
+              </a:ext>
+            </a:extLst>
+          </p:cNvPr>
+          <p:cNvSpPr txBox="1"/>
+          <p:nvPr/>
+        </p:nvSpPr>
+        <p:spPr>
+          <a:xfrm>
+            <a:off x="1067349" y="587830"/>
+            <a:ext cx="2889445" cy="646331"/>
+          </a:xfrm>
+          <a:prstGeom prst="rect">
+            <a:avLst/>
+          </a:prstGeom>
+          <a:noFill/>
+        </p:spPr>
+        <p:txBody>
+          <a:bodyPr wrap="none" rtlCol="0">
+            <a:spAutoFit/>
+          </a:bodyPr>
+          <a:lstStyle/>
+          <a:p>
+            <a:r>
+              <a:rPr lang="en-US" dirty="0"/>
+              <a:t>Can be a good </a:t>
+            </a:r>
+            <a:r>
+              <a:rPr lang="en-US" i="1" dirty="0"/>
+              <a:t>starting point</a:t>
+            </a:r>
+            <a:r>
+              <a:rPr lang="en-US" dirty="0"/>
+              <a:t>.</a:t>
+            </a:r>
+            <a:br>
+              <a:rPr lang="en-US" dirty="0"/>
+            </a:br>
+            <a:r>
+              <a:rPr lang="en-US" dirty="0"/>
+              <a:t>Be critical!</a:t>
+            </a:r>
+          </a:p>
+        </p:txBody>
+      </p:sp>
+      <p:pic>
+        <p:nvPicPr>
+          <p:cNvPr id="7" name="Picture 6">
+            <a:extLst>
+              <a:ext uri="{FF2B5EF4-FFF2-40B4-BE49-F238E27FC236}">
+                <a16:creationId xmlns:a16="http://schemas.microsoft.com/office/drawing/2014/main" id="{66B0CAE6-02B4-3FBF-EC4D-74AC01F991A1}"/>
+              </a:ext>
+            </a:extLst>
+          </p:cNvPr>
+          <p:cNvPicPr>
+            <a:picLocks noChangeAspect="1"/>
+          </p:cNvPicPr>
+          <p:nvPr/>
+        </p:nvPicPr>
+        <p:blipFill>
+          <a:blip r:embed="rId2"/>
+          <a:stretch>
+            <a:fillRect/>
+          </a:stretch>
+        </p:blipFill>
+        <p:spPr>
+          <a:xfrm>
+            <a:off x="5664199" y="222966"/>
+            <a:ext cx="6168572" cy="6412068"/>
+          </a:xfrm>
+          <a:prstGeom prst="rect">
+            <a:avLst/>
+          </a:prstGeom>
+        </p:spPr>
+      </p:pic>
+      <p:pic>
+        <p:nvPicPr>
+          <p:cNvPr id="9" name="Picture 8">
+            <a:extLst>
+              <a:ext uri="{FF2B5EF4-FFF2-40B4-BE49-F238E27FC236}">
+                <a16:creationId xmlns:a16="http://schemas.microsoft.com/office/drawing/2014/main" id="{A05773E8-F5A1-8933-7533-95896A7F958B}"/>
+              </a:ext>
+            </a:extLst>
+          </p:cNvPr>
+          <p:cNvPicPr>
+            <a:picLocks noChangeAspect="1"/>
+          </p:cNvPicPr>
+          <p:nvPr/>
+        </p:nvPicPr>
+        <p:blipFill>
+          <a:blip r:embed="rId3"/>
+          <a:stretch>
+            <a:fillRect/>
+          </a:stretch>
+        </p:blipFill>
+        <p:spPr>
+          <a:xfrm>
+            <a:off x="223707" y="4398734"/>
+            <a:ext cx="5195106" cy="1871436"/>
+          </a:xfrm>
+          <a:prstGeom prst="rect">
+            <a:avLst/>
+          </a:prstGeom>
+        </p:spPr>
+      </p:pic>
+      <p:pic>
+        <p:nvPicPr>
+          <p:cNvPr id="11" name="Picture 10">
+            <a:extLst>
+              <a:ext uri="{FF2B5EF4-FFF2-40B4-BE49-F238E27FC236}">
+                <a16:creationId xmlns:a16="http://schemas.microsoft.com/office/drawing/2014/main" id="{EF0A49E9-6AC6-F336-057B-3EDA46B34B82}"/>
+              </a:ext>
+            </a:extLst>
+          </p:cNvPr>
+          <p:cNvPicPr>
+            <a:picLocks noChangeAspect="1"/>
+          </p:cNvPicPr>
+          <p:nvPr/>
+        </p:nvPicPr>
+        <p:blipFill>
+          <a:blip r:embed="rId4"/>
+          <a:stretch>
+            <a:fillRect/>
+          </a:stretch>
+        </p:blipFill>
+        <p:spPr>
+          <a:xfrm>
+            <a:off x="334021" y="1711778"/>
+            <a:ext cx="4356100" cy="2476500"/>
+          </a:xfrm>
+          <a:prstGeom prst="rect">
+            <a:avLst/>
+          </a:prstGeom>
+        </p:spPr>
+      </p:pic>
+    </p:spTree>
+    <p:extLst>
+      <p:ext uri="{BB962C8B-B14F-4D97-AF65-F5344CB8AC3E}">
+        <p14:creationId xmlns:p14="http://schemas.microsoft.com/office/powerpoint/2010/main" val="1586145048"/>
+      </p:ext>
+    </p:extLst>
+  </p:cSld>
+  <p:clrMapOvr>
+    <a:masterClrMapping/>
+  </p:clrMapOvr>
+</p:sld>
+</file>
+
+<file path=ppt/slides/slide6.xml><?xml version="1.0" encoding="utf-8"?>
+<p:sld xmlns:a="http://schemas.openxmlformats.org/drawingml/2006/main" xmlns:r="http://schemas.openxmlformats.org/officeDocument/2006/relationships" xmlns:p="http://schemas.openxmlformats.org/presentationml/2006/main">
+  <p:cSld>
+    <p:spTree>
+      <p:nvGrpSpPr>
+        <p:cNvPr id="1" name=""/>
+        <p:cNvGrpSpPr/>
+        <p:nvPr/>
+      </p:nvGrpSpPr>
+      <p:grpSpPr>
+        <a:xfrm>
+          <a:off x="0" y="0"/>
+          <a:ext cx="0" cy="0"/>
+          <a:chOff x="0" y="0"/>
+          <a:chExt cx="0" cy="0"/>
+        </a:xfrm>
+      </p:grpSpPr>
       <p:pic>
         <p:nvPicPr>
           <p:cNvPr id="4098" name="Picture 2">
@@ -4556,7 +5087,7 @@
         </p:nvSpPr>
         <p:spPr>
           <a:xfrm>
-            <a:off x="968829" y="5758543"/>
+            <a:off x="1002950" y="5492805"/>
             <a:ext cx="2255746" cy="1200329"/>
           </a:xfrm>
           <a:prstGeom prst="rect">
@@ -4609,7 +5140,7 @@
         </p:nvSpPr>
         <p:spPr>
           <a:xfrm>
-            <a:off x="5184327" y="6077636"/>
+            <a:off x="4825099" y="5951430"/>
             <a:ext cx="5484515" cy="646331"/>
           </a:xfrm>
           <a:prstGeom prst="rect">
@@ -4754,13 +5285,8 @@
           <a:p>
             <a:r>
               <a:rPr lang="en-US" dirty="0"/>
-              <a:t>Modeling </a:t>
-            </a:r>
-            <a:r>
-              <a:rPr lang="en-US" dirty="0" err="1"/>
-              <a:t>focuss</a:t>
-            </a:r>
-            <a:endParaRPr lang="en-US" dirty="0"/>
+              <a:t>Modeling focus</a:t>
+            </a:r>
           </a:p>
           <a:p>
             <a:r>
@@ -4809,6 +5335,96 @@
     <p:extLst>
       <p:ext uri="{BB962C8B-B14F-4D97-AF65-F5344CB8AC3E}">
         <p14:creationId xmlns:p14="http://schemas.microsoft.com/office/powerpoint/2010/main" val="2237660008"/>
+      </p:ext>
+    </p:extLst>
+  </p:cSld>
+  <p:clrMapOvr>
+    <a:masterClrMapping/>
+  </p:clrMapOvr>
+</p:sld>
+</file>
+
+<file path=ppt/slides/slide7.xml><?xml version="1.0" encoding="utf-8"?>
+<p:sld xmlns:a="http://schemas.openxmlformats.org/drawingml/2006/main" xmlns:r="http://schemas.openxmlformats.org/officeDocument/2006/relationships" xmlns:p="http://schemas.openxmlformats.org/presentationml/2006/main">
+  <p:cSld>
+    <p:spTree>
+      <p:nvGrpSpPr>
+        <p:cNvPr id="1" name=""/>
+        <p:cNvGrpSpPr/>
+        <p:nvPr/>
+      </p:nvGrpSpPr>
+      <p:grpSpPr>
+        <a:xfrm>
+          <a:off x="0" y="0"/>
+          <a:ext cx="0" cy="0"/>
+          <a:chOff x="0" y="0"/>
+          <a:chExt cx="0" cy="0"/>
+        </a:xfrm>
+      </p:grpSpPr>
+      <p:pic>
+        <p:nvPicPr>
+          <p:cNvPr id="4" name="Picture 6">
+            <a:extLst>
+              <a:ext uri="{FF2B5EF4-FFF2-40B4-BE49-F238E27FC236}">
+                <a16:creationId xmlns:a16="http://schemas.microsoft.com/office/drawing/2014/main" id="{64FDCC95-A6F4-6647-F157-309E45C84D32}"/>
+              </a:ext>
+            </a:extLst>
+          </p:cNvPr>
+          <p:cNvPicPr>
+            <a:picLocks noChangeAspect="1" noChangeArrowheads="1"/>
+          </p:cNvPicPr>
+          <p:nvPr/>
+        </p:nvPicPr>
+        <p:blipFill>
+          <a:blip r:embed="rId2">
+            <a:extLst>
+              <a:ext uri="{28A0092B-C50C-407E-A947-70E740481C1C}">
+                <a14:useLocalDpi xmlns:a14="http://schemas.microsoft.com/office/drawing/2010/main" val="0"/>
+              </a:ext>
+            </a:extLst>
+          </a:blip>
+          <a:srcRect/>
+          <a:stretch>
+            <a:fillRect/>
+          </a:stretch>
+        </p:blipFill>
+        <p:spPr bwMode="auto">
+          <a:xfrm>
+            <a:off x="217035" y="761320"/>
+            <a:ext cx="3889375" cy="5084762"/>
+          </a:xfrm>
+          <a:prstGeom prst="rect">
+            <a:avLst/>
+          </a:prstGeom>
+          <a:noFill/>
+          <a:ln>
+            <a:noFill/>
+          </a:ln>
+          <a:extLst>
+            <a:ext uri="{909E8E84-426E-40DD-AFC4-6F175D3DCCD1}">
+              <a14:hiddenFill xmlns:a14="http://schemas.microsoft.com/office/drawing/2010/main">
+                <a:solidFill>
+                  <a:srgbClr val="FFFFFF"/>
+                </a:solidFill>
+              </a14:hiddenFill>
+            </a:ext>
+            <a:ext uri="{91240B29-F687-4F45-9708-019B960494DF}">
+              <a14:hiddenLine xmlns:a14="http://schemas.microsoft.com/office/drawing/2010/main" w="9525">
+                <a:solidFill>
+                  <a:srgbClr val="000000"/>
+                </a:solidFill>
+                <a:miter lim="800000"/>
+                <a:headEnd/>
+                <a:tailEnd/>
+              </a14:hiddenLine>
+            </a:ext>
+          </a:extLst>
+        </p:spPr>
+      </p:pic>
+    </p:spTree>
+    <p:extLst>
+      <p:ext uri="{BB962C8B-B14F-4D97-AF65-F5344CB8AC3E}">
+        <p14:creationId xmlns:p14="http://schemas.microsoft.com/office/powerpoint/2010/main" val="1485152099"/>
       </p:ext>
     </p:extLst>
   </p:cSld>
